--- a/ProjektWS1819.pptx
+++ b/ProjektWS1819.pptx
@@ -5,7 +5,7 @@
     <p:sldMasterId id="2147483648" r:id="rId4"/>
   </p:sldMasterIdLst>
   <p:notesMasterIdLst>
-    <p:notesMasterId r:id="rId29"/>
+    <p:notesMasterId r:id="rId27"/>
   </p:notesMasterIdLst>
   <p:sldIdLst>
     <p:sldId id="256" r:id="rId5"/>
@@ -26,12 +26,10 @@
     <p:sldId id="357" r:id="rId20"/>
     <p:sldId id="358" r:id="rId21"/>
     <p:sldId id="359" r:id="rId22"/>
-    <p:sldId id="360" r:id="rId23"/>
-    <p:sldId id="361" r:id="rId24"/>
-    <p:sldId id="265" r:id="rId25"/>
-    <p:sldId id="362" r:id="rId26"/>
-    <p:sldId id="268" r:id="rId27"/>
-    <p:sldId id="363" r:id="rId28"/>
+    <p:sldId id="361" r:id="rId23"/>
+    <p:sldId id="265" r:id="rId24"/>
+    <p:sldId id="362" r:id="rId25"/>
+    <p:sldId id="268" r:id="rId26"/>
   </p:sldIdLst>
   <p:sldSz cx="9144000" cy="6858000" type="screen4x3"/>
   <p:notesSz cx="6858000" cy="9144000"/>
@@ -149,10 +147,6 @@
 </p:presentation>
 </file>
 
-<file path=ppt/revisionInfo.xml><?xml version="1.0" encoding="utf-8"?>
-<p1510:revInfo xmlns:a="http://schemas.openxmlformats.org/drawingml/2006/main" xmlns:r="http://schemas.openxmlformats.org/officeDocument/2006/relationships" xmlns:p1510="http://schemas.microsoft.com/office/powerpoint/2015/10/main"/>
-</file>
-
 <file path=ppt/notesMasters/notesMaster1.xml><?xml version="1.0" encoding="utf-8"?>
 <p:notesMaster xmlns:a="http://schemas.openxmlformats.org/drawingml/2006/main" xmlns:r="http://schemas.openxmlformats.org/officeDocument/2006/relationships" xmlns:p="http://schemas.openxmlformats.org/presentationml/2006/main">
   <p:cSld>
@@ -235,7 +229,7 @@
           <a:p>
             <a:fld id="{4F15734F-7814-4671-A391-85304BB05DFC}" type="datetimeFigureOut">
               <a:rPr lang="de-DE" smtClean="0"/>
-              <a:t>02.11.2017</a:t>
+              <a:t>19.10.2018</a:t>
             </a:fld>
             <a:endParaRPr lang="de-DE"/>
           </a:p>
@@ -394,7 +388,7 @@
           <a:p>
             <a:fld id="{3BFB7EBB-4924-41D0-93EC-B9B0993A5AA4}" type="slidenum">
               <a:rPr lang="de-DE" smtClean="0"/>
-              <a:t>‹Nr.›</a:t>
+              <a:t>‹#›</a:t>
             </a:fld>
             <a:endParaRPr lang="de-DE"/>
           </a:p>
@@ -1049,7 +1043,7 @@
           <a:p>
             <a:fld id="{48B236EF-2392-4C81-98F1-72DDBCF26F2B}" type="datetime1">
               <a:rPr lang="de-DE" smtClean="0"/>
-              <a:t>02.11.2017</a:t>
+              <a:t>19.10.2018</a:t>
             </a:fld>
             <a:endParaRPr lang="de-DE" dirty="0"/>
           </a:p>
@@ -1129,7 +1123,7 @@
             <a:fld id="{B6019D7E-4DA7-498B-8A98-9F3A8272A514}" type="slidenum">
               <a:rPr lang="de-DE" smtClean="0"/>
               <a:pPr/>
-              <a:t>‹Nr.›</a:t>
+              <a:t>‹#›</a:t>
             </a:fld>
             <a:endParaRPr lang="de-DE" dirty="0"/>
           </a:p>
@@ -1381,7 +1375,7 @@
           <a:p>
             <a:fld id="{1B84DBAC-7227-4D94-B1F3-CD1F6E0A7C42}" type="datetime1">
               <a:rPr lang="de-DE" smtClean="0"/>
-              <a:t>02.11.2017</a:t>
+              <a:t>19.10.2018</a:t>
             </a:fld>
             <a:endParaRPr lang="de-DE" dirty="0"/>
           </a:p>
@@ -1462,7 +1456,7 @@
             <a:fld id="{B6019D7E-4DA7-498B-8A98-9F3A8272A514}" type="slidenum">
               <a:rPr lang="de-DE" smtClean="0"/>
               <a:pPr/>
-              <a:t>‹Nr.›</a:t>
+              <a:t>‹#›</a:t>
             </a:fld>
             <a:endParaRPr lang="de-DE" dirty="0"/>
           </a:p>
@@ -1803,7 +1797,7 @@
           <a:p>
             <a:fld id="{4D17E703-6D14-4D0E-A37F-A58A0CE65EF5}" type="datetime1">
               <a:rPr lang="de-DE" smtClean="0"/>
-              <a:t>02.11.2017</a:t>
+              <a:t>19.10.2018</a:t>
             </a:fld>
             <a:endParaRPr lang="de-DE" dirty="0"/>
           </a:p>
@@ -1884,7 +1878,7 @@
             <a:fld id="{B6019D7E-4DA7-498B-8A98-9F3A8272A514}" type="slidenum">
               <a:rPr lang="de-DE" smtClean="0"/>
               <a:pPr/>
-              <a:t>‹Nr.›</a:t>
+              <a:t>‹#›</a:t>
             </a:fld>
             <a:endParaRPr lang="de-DE" dirty="0"/>
           </a:p>
@@ -2039,7 +2033,7 @@
           <a:p>
             <a:fld id="{712F4E29-8BE3-422B-AF43-BDE34FC7A798}" type="datetime1">
               <a:rPr lang="de-DE" smtClean="0"/>
-              <a:t>02.11.2017</a:t>
+              <a:t>19.10.2018</a:t>
             </a:fld>
             <a:endParaRPr lang="de-DE" dirty="0"/>
           </a:p>
@@ -2120,7 +2114,7 @@
             <a:fld id="{B6019D7E-4DA7-498B-8A98-9F3A8272A514}" type="slidenum">
               <a:rPr lang="de-DE" smtClean="0"/>
               <a:pPr/>
-              <a:t>‹Nr.›</a:t>
+              <a:t>‹#›</a:t>
             </a:fld>
             <a:endParaRPr lang="de-DE" dirty="0"/>
           </a:p>
@@ -2273,7 +2267,7 @@
           <a:p>
             <a:fld id="{04612F59-A152-423B-9523-80FC96C56019}" type="datetime1">
               <a:rPr lang="de-DE" smtClean="0"/>
-              <a:t>02.11.2017</a:t>
+              <a:t>19.10.2018</a:t>
             </a:fld>
             <a:endParaRPr lang="de-DE" dirty="0"/>
           </a:p>
@@ -2353,7 +2347,7 @@
             <a:fld id="{B6019D7E-4DA7-498B-8A98-9F3A8272A514}" type="slidenum">
               <a:rPr lang="de-DE" smtClean="0"/>
               <a:pPr/>
-              <a:t>‹Nr.›</a:t>
+              <a:t>‹#›</a:t>
             </a:fld>
             <a:endParaRPr lang="de-DE" dirty="0"/>
           </a:p>
@@ -2552,7 +2546,7 @@
           <a:p>
             <a:fld id="{04612F59-A152-423B-9523-80FC96C56019}" type="datetime1">
               <a:rPr lang="de-DE" smtClean="0"/>
-              <a:t>02.11.2017</a:t>
+              <a:t>19.10.2018</a:t>
             </a:fld>
             <a:endParaRPr lang="de-DE" dirty="0"/>
           </a:p>
@@ -2632,7 +2626,7 @@
             <a:fld id="{B6019D7E-4DA7-498B-8A98-9F3A8272A514}" type="slidenum">
               <a:rPr lang="de-DE" smtClean="0"/>
               <a:pPr/>
-              <a:t>‹Nr.›</a:t>
+              <a:t>‹#›</a:t>
             </a:fld>
             <a:endParaRPr lang="de-DE" dirty="0"/>
           </a:p>
@@ -2759,7 +2753,7 @@
           <a:p>
             <a:fld id="{04612F59-A152-423B-9523-80FC96C56019}" type="datetime1">
               <a:rPr lang="de-DE" smtClean="0"/>
-              <a:t>02.11.2017</a:t>
+              <a:t>19.10.2018</a:t>
             </a:fld>
             <a:endParaRPr lang="de-DE" dirty="0"/>
           </a:p>
@@ -2840,7 +2834,7 @@
             <a:fld id="{B6019D7E-4DA7-498B-8A98-9F3A8272A514}" type="slidenum">
               <a:rPr lang="de-DE" smtClean="0"/>
               <a:pPr/>
-              <a:t>‹Nr.›</a:t>
+              <a:t>‹#›</a:t>
             </a:fld>
             <a:endParaRPr lang="de-DE" dirty="0"/>
           </a:p>
@@ -3111,7 +3105,7 @@
           <a:p>
             <a:fld id="{A6093685-B70D-40B4-A114-D312AA476F93}" type="datetime1">
               <a:rPr lang="de-DE" smtClean="0"/>
-              <a:t>02.11.2017</a:t>
+              <a:t>19.10.2018</a:t>
             </a:fld>
             <a:endParaRPr lang="de-DE" dirty="0"/>
           </a:p>
@@ -3192,7 +3186,7 @@
             <a:fld id="{B6019D7E-4DA7-498B-8A98-9F3A8272A514}" type="slidenum">
               <a:rPr lang="de-DE" smtClean="0"/>
               <a:pPr/>
-              <a:t>‹Nr.›</a:t>
+              <a:t>‹#›</a:t>
             </a:fld>
             <a:endParaRPr lang="de-DE" dirty="0"/>
           </a:p>
@@ -3463,7 +3457,7 @@
           <a:p>
             <a:fld id="{5F94BA22-2E6E-4C8D-8D26-BBEA78AEAF7A}" type="datetime1">
               <a:rPr lang="de-DE" smtClean="0"/>
-              <a:t>02.11.2017</a:t>
+              <a:t>19.10.2018</a:t>
             </a:fld>
             <a:endParaRPr lang="de-DE" dirty="0"/>
           </a:p>
@@ -3544,7 +3538,7 @@
             <a:fld id="{B6019D7E-4DA7-498B-8A98-9F3A8272A514}" type="slidenum">
               <a:rPr lang="de-DE" smtClean="0"/>
               <a:pPr/>
-              <a:t>‹Nr.›</a:t>
+              <a:t>‹#›</a:t>
             </a:fld>
             <a:endParaRPr lang="de-DE" dirty="0"/>
           </a:p>
@@ -3945,7 +3939,7 @@
           <a:p>
             <a:fld id="{ACA1A1B4-896A-4A45-994F-85008F6398AB}" type="datetime1">
               <a:rPr lang="de-DE" smtClean="0"/>
-              <a:t>02.11.2017</a:t>
+              <a:t>19.10.2018</a:t>
             </a:fld>
             <a:endParaRPr lang="de-DE" dirty="0"/>
           </a:p>
@@ -4026,7 +4020,7 @@
             <a:fld id="{B6019D7E-4DA7-498B-8A98-9F3A8272A514}" type="slidenum">
               <a:rPr lang="de-DE" smtClean="0"/>
               <a:pPr/>
-              <a:t>‹Nr.›</a:t>
+              <a:t>‹#›</a:t>
             </a:fld>
             <a:endParaRPr lang="de-DE" dirty="0"/>
           </a:p>
@@ -4127,7 +4121,7 @@
           <a:p>
             <a:fld id="{D4EFDB4A-C229-4C8B-8925-F2F800EC695E}" type="datetime1">
               <a:rPr lang="de-DE" smtClean="0"/>
-              <a:t>02.11.2017</a:t>
+              <a:t>19.10.2018</a:t>
             </a:fld>
             <a:endParaRPr lang="de-DE" dirty="0"/>
           </a:p>
@@ -4208,7 +4202,7 @@
             <a:fld id="{B6019D7E-4DA7-498B-8A98-9F3A8272A514}" type="slidenum">
               <a:rPr lang="de-DE" smtClean="0"/>
               <a:pPr/>
-              <a:t>‹Nr.›</a:t>
+              <a:t>‹#›</a:t>
             </a:fld>
             <a:endParaRPr lang="de-DE" dirty="0"/>
           </a:p>
@@ -4278,7 +4272,7 @@
           <a:p>
             <a:fld id="{31785167-5754-46DF-8E6D-D842518584F1}" type="datetime1">
               <a:rPr lang="de-DE" smtClean="0"/>
-              <a:t>02.11.2017</a:t>
+              <a:t>19.10.2018</a:t>
             </a:fld>
             <a:endParaRPr lang="de-DE" dirty="0"/>
           </a:p>
@@ -4359,7 +4353,7 @@
             <a:fld id="{B6019D7E-4DA7-498B-8A98-9F3A8272A514}" type="slidenum">
               <a:rPr lang="de-DE" smtClean="0"/>
               <a:pPr/>
-              <a:t>‹Nr.›</a:t>
+              <a:t>‹#›</a:t>
             </a:fld>
             <a:endParaRPr lang="de-DE" dirty="0"/>
           </a:p>
@@ -4613,7 +4607,7 @@
           <a:p>
             <a:fld id="{C8DB9BB6-8E56-41B6-8B9D-8752E8E78F93}" type="datetime1">
               <a:rPr lang="de-DE" smtClean="0"/>
-              <a:t>02.11.2017</a:t>
+              <a:t>19.10.2018</a:t>
             </a:fld>
             <a:endParaRPr lang="de-DE" dirty="0"/>
           </a:p>
@@ -4693,7 +4687,7 @@
             <a:fld id="{B6019D7E-4DA7-498B-8A98-9F3A8272A514}" type="slidenum">
               <a:rPr lang="de-DE" smtClean="0"/>
               <a:pPr/>
-              <a:t>‹Nr.›</a:t>
+              <a:t>‹#›</a:t>
             </a:fld>
             <a:endParaRPr lang="de-DE" dirty="0"/>
           </a:p>
@@ -6083,13 +6077,8 @@
           <a:p>
             <a:r>
               <a:rPr lang="de-DE" dirty="0"/>
-              <a:t>Teamzusammenarbeit </a:t>
-            </a:r>
-            <a:r>
-              <a:rPr lang="de-DE" dirty="0" err="1"/>
-              <a:t>selbstorganisert</a:t>
-            </a:r>
-            <a:endParaRPr lang="de-DE" dirty="0"/>
+              <a:t>Teamzusammenarbeit selbstorganisiert</a:t>
+            </a:r>
           </a:p>
           <a:p>
             <a:r>
@@ -6637,12 +6626,8 @@
           <a:lstStyle/>
           <a:p>
             <a:r>
-              <a:rPr lang="de-DE" dirty="0" err="1"/>
-              <a:t>eAkte</a:t>
-            </a:r>
-            <a:r>
               <a:rPr lang="de-DE" dirty="0"/>
-              <a:t> - Anwendung</a:t>
+              <a:t>Agenda</a:t>
             </a:r>
           </a:p>
         </p:txBody>
@@ -6659,39 +6644,138 @@
         </p:nvSpPr>
         <p:spPr/>
         <p:txBody>
-          <a:bodyPr>
-            <a:normAutofit/>
-          </a:bodyPr>
+          <a:bodyPr/>
           <a:lstStyle/>
           <a:p>
             <a:r>
-              <a:rPr lang="de-DE" dirty="0" err="1"/>
+              <a:rPr lang="de-DE" dirty="0">
+                <a:solidFill>
+                  <a:schemeClr val="bg1">
+                    <a:lumMod val="85000"/>
+                  </a:schemeClr>
+                </a:solidFill>
+              </a:rPr>
+              <a:t>Agile Softwareentwicklung</a:t>
+            </a:r>
+          </a:p>
+          <a:p>
+            <a:r>
+              <a:rPr lang="de-DE" dirty="0">
+                <a:solidFill>
+                  <a:schemeClr val="bg1">
+                    <a:lumMod val="85000"/>
+                  </a:schemeClr>
+                </a:solidFill>
+              </a:rPr>
+              <a:t>Ablauf der </a:t>
+            </a:r>
+            <a:r>
+              <a:rPr lang="de-DE" dirty="0" err="1">
+                <a:solidFill>
+                  <a:schemeClr val="bg1">
+                    <a:lumMod val="85000"/>
+                  </a:schemeClr>
+                </a:solidFill>
+              </a:rPr>
+              <a:t>Veranstalltung</a:t>
+            </a:r>
+            <a:endParaRPr lang="de-DE" dirty="0">
+              <a:solidFill>
+                <a:schemeClr val="bg1">
+                  <a:lumMod val="85000"/>
+                </a:schemeClr>
+              </a:solidFill>
+            </a:endParaRPr>
+          </a:p>
+          <a:p>
+            <a:r>
+              <a:rPr lang="de-DE" dirty="0" err="1">
+                <a:solidFill>
+                  <a:schemeClr val="bg1">
+                    <a:lumMod val="85000"/>
+                  </a:schemeClr>
+                </a:solidFill>
+              </a:rPr>
+              <a:t>Git</a:t>
+            </a:r>
+            <a:r>
+              <a:rPr lang="de-DE" dirty="0">
+                <a:solidFill>
+                  <a:schemeClr val="bg1">
+                    <a:lumMod val="85000"/>
+                  </a:schemeClr>
+                </a:solidFill>
+              </a:rPr>
+              <a:t> / </a:t>
+            </a:r>
+            <a:r>
+              <a:rPr lang="de-DE" dirty="0" err="1">
+                <a:solidFill>
+                  <a:schemeClr val="bg1">
+                    <a:lumMod val="85000"/>
+                  </a:schemeClr>
+                </a:solidFill>
+              </a:rPr>
               <a:t>GitHub</a:t>
             </a:r>
             <a:r>
+              <a:rPr lang="de-DE" dirty="0">
+                <a:solidFill>
+                  <a:schemeClr val="bg1">
+                    <a:lumMod val="85000"/>
+                  </a:schemeClr>
+                </a:solidFill>
+              </a:rPr>
+              <a:t> und </a:t>
+            </a:r>
+            <a:r>
+              <a:rPr lang="de-DE" dirty="0" err="1">
+                <a:solidFill>
+                  <a:schemeClr val="bg1">
+                    <a:lumMod val="85000"/>
+                  </a:schemeClr>
+                </a:solidFill>
+              </a:rPr>
+              <a:t>ZenHub</a:t>
+            </a:r>
+            <a:endParaRPr lang="de-DE" dirty="0">
+              <a:solidFill>
+                <a:schemeClr val="bg1">
+                  <a:lumMod val="85000"/>
+                </a:schemeClr>
+              </a:solidFill>
+            </a:endParaRPr>
+          </a:p>
+          <a:p>
+            <a:r>
+              <a:rPr lang="de-DE" dirty="0">
+                <a:solidFill>
+                  <a:schemeClr val="bg1">
+                    <a:lumMod val="85000"/>
+                  </a:schemeClr>
+                </a:solidFill>
+              </a:rPr>
+              <a:t>Aufgabenstellung / Erste Anforderungen</a:t>
+            </a:r>
+          </a:p>
+          <a:p>
+            <a:r>
               <a:rPr lang="de-DE" dirty="0"/>
-              <a:t> </a:t>
-            </a:r>
-            <a:r>
-              <a:rPr lang="de-DE" dirty="0">
-                <a:hlinkClick r:id="rId2"/>
-              </a:rPr>
-              <a:t>https://github.com/BachelorProjektAI-HSFulda/Informationen</a:t>
-            </a:r>
+              <a:t>Einteilung der Teams</a:t>
+            </a:r>
+          </a:p>
+          <a:p>
             <a:r>
               <a:rPr lang="de-DE" dirty="0"/>
-              <a:t> </a:t>
-            </a:r>
-          </a:p>
-          <a:p>
-            <a:endParaRPr lang="de-DE" dirty="0"/>
+              <a:t>Technologieauswahl</a:t>
+            </a:r>
           </a:p>
         </p:txBody>
       </p:sp>
     </p:spTree>
     <p:extLst>
       <p:ext uri="{BB962C8B-B14F-4D97-AF65-F5344CB8AC3E}">
-        <p14:creationId xmlns:p14="http://schemas.microsoft.com/office/powerpoint/2010/main" val="297552464"/>
+        <p14:creationId xmlns:p14="http://schemas.microsoft.com/office/powerpoint/2010/main" val="1391673806"/>
       </p:ext>
     </p:extLst>
   </p:cSld>
@@ -6819,198 +6903,6 @@
 </file>
 
 <file path=ppt/slides/slide20.xml><?xml version="1.0" encoding="utf-8"?>
-<p:sld xmlns:a="http://schemas.openxmlformats.org/drawingml/2006/main" xmlns:r="http://schemas.openxmlformats.org/officeDocument/2006/relationships" xmlns:p="http://schemas.openxmlformats.org/presentationml/2006/main">
-  <p:cSld>
-    <p:spTree>
-      <p:nvGrpSpPr>
-        <p:cNvPr id="1" name=""/>
-        <p:cNvGrpSpPr/>
-        <p:nvPr/>
-      </p:nvGrpSpPr>
-      <p:grpSpPr>
-        <a:xfrm>
-          <a:off x="0" y="0"/>
-          <a:ext cx="0" cy="0"/>
-          <a:chOff x="0" y="0"/>
-          <a:chExt cx="0" cy="0"/>
-        </a:xfrm>
-      </p:grpSpPr>
-      <p:sp>
-        <p:nvSpPr>
-          <p:cNvPr id="2" name="Titel 1"/>
-          <p:cNvSpPr>
-            <a:spLocks noGrp="1"/>
-          </p:cNvSpPr>
-          <p:nvPr>
-            <p:ph type="title"/>
-          </p:nvPr>
-        </p:nvSpPr>
-        <p:spPr/>
-        <p:txBody>
-          <a:bodyPr/>
-          <a:lstStyle/>
-          <a:p>
-            <a:r>
-              <a:rPr lang="de-DE" dirty="0"/>
-              <a:t>Agenda</a:t>
-            </a:r>
-          </a:p>
-        </p:txBody>
-      </p:sp>
-      <p:sp>
-        <p:nvSpPr>
-          <p:cNvPr id="3" name="Inhaltsplatzhalter 2"/>
-          <p:cNvSpPr>
-            <a:spLocks noGrp="1"/>
-          </p:cNvSpPr>
-          <p:nvPr>
-            <p:ph idx="1"/>
-          </p:nvPr>
-        </p:nvSpPr>
-        <p:spPr/>
-        <p:txBody>
-          <a:bodyPr/>
-          <a:lstStyle/>
-          <a:p>
-            <a:r>
-              <a:rPr lang="de-DE" dirty="0">
-                <a:solidFill>
-                  <a:schemeClr val="bg1">
-                    <a:lumMod val="85000"/>
-                  </a:schemeClr>
-                </a:solidFill>
-              </a:rPr>
-              <a:t>Agile Softwareentwicklung</a:t>
-            </a:r>
-          </a:p>
-          <a:p>
-            <a:r>
-              <a:rPr lang="de-DE" dirty="0">
-                <a:solidFill>
-                  <a:schemeClr val="bg1">
-                    <a:lumMod val="85000"/>
-                  </a:schemeClr>
-                </a:solidFill>
-              </a:rPr>
-              <a:t>Ablauf der </a:t>
-            </a:r>
-            <a:r>
-              <a:rPr lang="de-DE" dirty="0" err="1">
-                <a:solidFill>
-                  <a:schemeClr val="bg1">
-                    <a:lumMod val="85000"/>
-                  </a:schemeClr>
-                </a:solidFill>
-              </a:rPr>
-              <a:t>Veranstalltung</a:t>
-            </a:r>
-            <a:endParaRPr lang="de-DE" dirty="0">
-              <a:solidFill>
-                <a:schemeClr val="bg1">
-                  <a:lumMod val="85000"/>
-                </a:schemeClr>
-              </a:solidFill>
-            </a:endParaRPr>
-          </a:p>
-          <a:p>
-            <a:r>
-              <a:rPr lang="de-DE" dirty="0" err="1">
-                <a:solidFill>
-                  <a:schemeClr val="bg1">
-                    <a:lumMod val="85000"/>
-                  </a:schemeClr>
-                </a:solidFill>
-              </a:rPr>
-              <a:t>Git</a:t>
-            </a:r>
-            <a:r>
-              <a:rPr lang="de-DE" dirty="0">
-                <a:solidFill>
-                  <a:schemeClr val="bg1">
-                    <a:lumMod val="85000"/>
-                  </a:schemeClr>
-                </a:solidFill>
-              </a:rPr>
-              <a:t> / </a:t>
-            </a:r>
-            <a:r>
-              <a:rPr lang="de-DE" dirty="0" err="1">
-                <a:solidFill>
-                  <a:schemeClr val="bg1">
-                    <a:lumMod val="85000"/>
-                  </a:schemeClr>
-                </a:solidFill>
-              </a:rPr>
-              <a:t>GitHub</a:t>
-            </a:r>
-            <a:r>
-              <a:rPr lang="de-DE" dirty="0">
-                <a:solidFill>
-                  <a:schemeClr val="bg1">
-                    <a:lumMod val="85000"/>
-                  </a:schemeClr>
-                </a:solidFill>
-              </a:rPr>
-              <a:t> und </a:t>
-            </a:r>
-            <a:r>
-              <a:rPr lang="de-DE" dirty="0" err="1">
-                <a:solidFill>
-                  <a:schemeClr val="bg1">
-                    <a:lumMod val="85000"/>
-                  </a:schemeClr>
-                </a:solidFill>
-              </a:rPr>
-              <a:t>ZenHub</a:t>
-            </a:r>
-            <a:endParaRPr lang="de-DE" dirty="0">
-              <a:solidFill>
-                <a:schemeClr val="bg1">
-                  <a:lumMod val="85000"/>
-                </a:schemeClr>
-              </a:solidFill>
-            </a:endParaRPr>
-          </a:p>
-          <a:p>
-            <a:r>
-              <a:rPr lang="de-DE" dirty="0">
-                <a:solidFill>
-                  <a:schemeClr val="bg1">
-                    <a:lumMod val="85000"/>
-                  </a:schemeClr>
-                </a:solidFill>
-              </a:rPr>
-              <a:t>Aufgabenstellung / Erste Anforderungen</a:t>
-            </a:r>
-          </a:p>
-          <a:p>
-            <a:r>
-              <a:rPr lang="de-DE" dirty="0"/>
-              <a:t>Einteilung der Teams</a:t>
-            </a:r>
-          </a:p>
-          <a:p>
-            <a:r>
-              <a:rPr lang="de-DE" dirty="0"/>
-              <a:t>Technologieauswahl</a:t>
-            </a:r>
-          </a:p>
-        </p:txBody>
-      </p:sp>
-    </p:spTree>
-    <p:extLst>
-      <p:ext uri="{BB962C8B-B14F-4D97-AF65-F5344CB8AC3E}">
-        <p14:creationId xmlns:p14="http://schemas.microsoft.com/office/powerpoint/2010/main" val="1391673806"/>
-      </p:ext>
-    </p:extLst>
-  </p:cSld>
-  <p:clrMapOvr>
-    <a:masterClrMapping/>
-  </p:clrMapOvr>
-</p:sld>
-</file>
-
-<file path=ppt/slides/slide21.xml><?xml version="1.0" encoding="utf-8"?>
 <p:sld xmlns:a="http://schemas.openxmlformats.org/drawingml/2006/main" xmlns:r="http://schemas.openxmlformats.org/officeDocument/2006/relationships" xmlns:p="http://schemas.openxmlformats.org/presentationml/2006/main">
   <p:cSld>
     <p:spTree>
@@ -7168,6 +7060,204 @@
 </p:sld>
 </file>
 
+<file path=ppt/slides/slide21.xml><?xml version="1.0" encoding="utf-8"?>
+<p:sld xmlns:a="http://schemas.openxmlformats.org/drawingml/2006/main" xmlns:r="http://schemas.openxmlformats.org/officeDocument/2006/relationships" xmlns:p="http://schemas.openxmlformats.org/presentationml/2006/main">
+  <p:cSld>
+    <p:spTree>
+      <p:nvGrpSpPr>
+        <p:cNvPr id="1" name=""/>
+        <p:cNvGrpSpPr/>
+        <p:nvPr/>
+      </p:nvGrpSpPr>
+      <p:grpSpPr>
+        <a:xfrm>
+          <a:off x="0" y="0"/>
+          <a:ext cx="0" cy="0"/>
+          <a:chOff x="0" y="0"/>
+          <a:chExt cx="0" cy="0"/>
+        </a:xfrm>
+      </p:grpSpPr>
+      <p:sp>
+        <p:nvSpPr>
+          <p:cNvPr id="2" name="Titel 1"/>
+          <p:cNvSpPr>
+            <a:spLocks noGrp="1"/>
+          </p:cNvSpPr>
+          <p:nvPr>
+            <p:ph type="title"/>
+          </p:nvPr>
+        </p:nvSpPr>
+        <p:spPr/>
+        <p:txBody>
+          <a:bodyPr/>
+          <a:lstStyle/>
+          <a:p>
+            <a:r>
+              <a:rPr lang="de-DE" dirty="0"/>
+              <a:t>Agenda</a:t>
+            </a:r>
+          </a:p>
+        </p:txBody>
+      </p:sp>
+      <p:sp>
+        <p:nvSpPr>
+          <p:cNvPr id="3" name="Inhaltsplatzhalter 2"/>
+          <p:cNvSpPr>
+            <a:spLocks noGrp="1"/>
+          </p:cNvSpPr>
+          <p:nvPr>
+            <p:ph idx="1"/>
+          </p:nvPr>
+        </p:nvSpPr>
+        <p:spPr/>
+        <p:txBody>
+          <a:bodyPr/>
+          <a:lstStyle/>
+          <a:p>
+            <a:r>
+              <a:rPr lang="de-DE" dirty="0">
+                <a:solidFill>
+                  <a:schemeClr val="bg1">
+                    <a:lumMod val="85000"/>
+                  </a:schemeClr>
+                </a:solidFill>
+              </a:rPr>
+              <a:t>Agile Softwareentwicklung</a:t>
+            </a:r>
+          </a:p>
+          <a:p>
+            <a:r>
+              <a:rPr lang="de-DE" dirty="0">
+                <a:solidFill>
+                  <a:schemeClr val="bg1">
+                    <a:lumMod val="85000"/>
+                  </a:schemeClr>
+                </a:solidFill>
+              </a:rPr>
+              <a:t>Ablauf der </a:t>
+            </a:r>
+            <a:r>
+              <a:rPr lang="de-DE" dirty="0" err="1">
+                <a:solidFill>
+                  <a:schemeClr val="bg1">
+                    <a:lumMod val="85000"/>
+                  </a:schemeClr>
+                </a:solidFill>
+              </a:rPr>
+              <a:t>Veranstalltung</a:t>
+            </a:r>
+            <a:endParaRPr lang="de-DE" dirty="0">
+              <a:solidFill>
+                <a:schemeClr val="bg1">
+                  <a:lumMod val="85000"/>
+                </a:schemeClr>
+              </a:solidFill>
+            </a:endParaRPr>
+          </a:p>
+          <a:p>
+            <a:r>
+              <a:rPr lang="de-DE" dirty="0" err="1">
+                <a:solidFill>
+                  <a:schemeClr val="bg1">
+                    <a:lumMod val="85000"/>
+                  </a:schemeClr>
+                </a:solidFill>
+              </a:rPr>
+              <a:t>Git</a:t>
+            </a:r>
+            <a:r>
+              <a:rPr lang="de-DE" dirty="0">
+                <a:solidFill>
+                  <a:schemeClr val="bg1">
+                    <a:lumMod val="85000"/>
+                  </a:schemeClr>
+                </a:solidFill>
+              </a:rPr>
+              <a:t> / </a:t>
+            </a:r>
+            <a:r>
+              <a:rPr lang="de-DE" dirty="0" err="1">
+                <a:solidFill>
+                  <a:schemeClr val="bg1">
+                    <a:lumMod val="85000"/>
+                  </a:schemeClr>
+                </a:solidFill>
+              </a:rPr>
+              <a:t>GitHub</a:t>
+            </a:r>
+            <a:r>
+              <a:rPr lang="de-DE" dirty="0">
+                <a:solidFill>
+                  <a:schemeClr val="bg1">
+                    <a:lumMod val="85000"/>
+                  </a:schemeClr>
+                </a:solidFill>
+              </a:rPr>
+              <a:t> und </a:t>
+            </a:r>
+            <a:r>
+              <a:rPr lang="de-DE" dirty="0" err="1">
+                <a:solidFill>
+                  <a:schemeClr val="bg1">
+                    <a:lumMod val="85000"/>
+                  </a:schemeClr>
+                </a:solidFill>
+              </a:rPr>
+              <a:t>ZenHub</a:t>
+            </a:r>
+            <a:endParaRPr lang="de-DE" dirty="0">
+              <a:solidFill>
+                <a:schemeClr val="bg1">
+                  <a:lumMod val="85000"/>
+                </a:schemeClr>
+              </a:solidFill>
+            </a:endParaRPr>
+          </a:p>
+          <a:p>
+            <a:r>
+              <a:rPr lang="de-DE" dirty="0">
+                <a:solidFill>
+                  <a:schemeClr val="bg1">
+                    <a:lumMod val="85000"/>
+                  </a:schemeClr>
+                </a:solidFill>
+              </a:rPr>
+              <a:t>Aufgabenstellung / Erste Anforderungen</a:t>
+            </a:r>
+          </a:p>
+          <a:p>
+            <a:r>
+              <a:rPr lang="de-DE" dirty="0">
+                <a:solidFill>
+                  <a:schemeClr val="bg1">
+                    <a:lumMod val="85000"/>
+                  </a:schemeClr>
+                </a:solidFill>
+              </a:rPr>
+              <a:t>Einteilung der Teams</a:t>
+            </a:r>
+          </a:p>
+          <a:p>
+            <a:r>
+              <a:rPr lang="de-DE" dirty="0"/>
+              <a:t>Technologieauswahl</a:t>
+            </a:r>
+          </a:p>
+        </p:txBody>
+      </p:sp>
+    </p:spTree>
+    <p:extLst>
+      <p:ext uri="{BB962C8B-B14F-4D97-AF65-F5344CB8AC3E}">
+        <p14:creationId xmlns:p14="http://schemas.microsoft.com/office/powerpoint/2010/main" val="3810781806"/>
+      </p:ext>
+    </p:extLst>
+  </p:cSld>
+  <p:clrMapOvr>
+    <a:masterClrMapping/>
+  </p:clrMapOvr>
+</p:sld>
+</file>
+
 <file path=ppt/slides/slide22.xml><?xml version="1.0" encoding="utf-8"?>
 <p:sld xmlns:a="http://schemas.openxmlformats.org/drawingml/2006/main" xmlns:r="http://schemas.openxmlformats.org/officeDocument/2006/relationships" xmlns:p="http://schemas.openxmlformats.org/presentationml/2006/main">
   <p:cSld>
@@ -7187,204 +7277,6 @@
       </p:grpSpPr>
       <p:sp>
         <p:nvSpPr>
-          <p:cNvPr id="2" name="Titel 1"/>
-          <p:cNvSpPr>
-            <a:spLocks noGrp="1"/>
-          </p:cNvSpPr>
-          <p:nvPr>
-            <p:ph type="title"/>
-          </p:nvPr>
-        </p:nvSpPr>
-        <p:spPr/>
-        <p:txBody>
-          <a:bodyPr/>
-          <a:lstStyle/>
-          <a:p>
-            <a:r>
-              <a:rPr lang="de-DE" dirty="0"/>
-              <a:t>Agenda</a:t>
-            </a:r>
-          </a:p>
-        </p:txBody>
-      </p:sp>
-      <p:sp>
-        <p:nvSpPr>
-          <p:cNvPr id="3" name="Inhaltsplatzhalter 2"/>
-          <p:cNvSpPr>
-            <a:spLocks noGrp="1"/>
-          </p:cNvSpPr>
-          <p:nvPr>
-            <p:ph idx="1"/>
-          </p:nvPr>
-        </p:nvSpPr>
-        <p:spPr/>
-        <p:txBody>
-          <a:bodyPr/>
-          <a:lstStyle/>
-          <a:p>
-            <a:r>
-              <a:rPr lang="de-DE" dirty="0">
-                <a:solidFill>
-                  <a:schemeClr val="bg1">
-                    <a:lumMod val="85000"/>
-                  </a:schemeClr>
-                </a:solidFill>
-              </a:rPr>
-              <a:t>Agile Softwareentwicklung</a:t>
-            </a:r>
-          </a:p>
-          <a:p>
-            <a:r>
-              <a:rPr lang="de-DE" dirty="0">
-                <a:solidFill>
-                  <a:schemeClr val="bg1">
-                    <a:lumMod val="85000"/>
-                  </a:schemeClr>
-                </a:solidFill>
-              </a:rPr>
-              <a:t>Ablauf der </a:t>
-            </a:r>
-            <a:r>
-              <a:rPr lang="de-DE" dirty="0" err="1">
-                <a:solidFill>
-                  <a:schemeClr val="bg1">
-                    <a:lumMod val="85000"/>
-                  </a:schemeClr>
-                </a:solidFill>
-              </a:rPr>
-              <a:t>Veranstalltung</a:t>
-            </a:r>
-            <a:endParaRPr lang="de-DE" dirty="0">
-              <a:solidFill>
-                <a:schemeClr val="bg1">
-                  <a:lumMod val="85000"/>
-                </a:schemeClr>
-              </a:solidFill>
-            </a:endParaRPr>
-          </a:p>
-          <a:p>
-            <a:r>
-              <a:rPr lang="de-DE" dirty="0" err="1">
-                <a:solidFill>
-                  <a:schemeClr val="bg1">
-                    <a:lumMod val="85000"/>
-                  </a:schemeClr>
-                </a:solidFill>
-              </a:rPr>
-              <a:t>Git</a:t>
-            </a:r>
-            <a:r>
-              <a:rPr lang="de-DE" dirty="0">
-                <a:solidFill>
-                  <a:schemeClr val="bg1">
-                    <a:lumMod val="85000"/>
-                  </a:schemeClr>
-                </a:solidFill>
-              </a:rPr>
-              <a:t> / </a:t>
-            </a:r>
-            <a:r>
-              <a:rPr lang="de-DE" dirty="0" err="1">
-                <a:solidFill>
-                  <a:schemeClr val="bg1">
-                    <a:lumMod val="85000"/>
-                  </a:schemeClr>
-                </a:solidFill>
-              </a:rPr>
-              <a:t>GitHub</a:t>
-            </a:r>
-            <a:r>
-              <a:rPr lang="de-DE" dirty="0">
-                <a:solidFill>
-                  <a:schemeClr val="bg1">
-                    <a:lumMod val="85000"/>
-                  </a:schemeClr>
-                </a:solidFill>
-              </a:rPr>
-              <a:t> und </a:t>
-            </a:r>
-            <a:r>
-              <a:rPr lang="de-DE" dirty="0" err="1">
-                <a:solidFill>
-                  <a:schemeClr val="bg1">
-                    <a:lumMod val="85000"/>
-                  </a:schemeClr>
-                </a:solidFill>
-              </a:rPr>
-              <a:t>ZenHub</a:t>
-            </a:r>
-            <a:endParaRPr lang="de-DE" dirty="0">
-              <a:solidFill>
-                <a:schemeClr val="bg1">
-                  <a:lumMod val="85000"/>
-                </a:schemeClr>
-              </a:solidFill>
-            </a:endParaRPr>
-          </a:p>
-          <a:p>
-            <a:r>
-              <a:rPr lang="de-DE" dirty="0">
-                <a:solidFill>
-                  <a:schemeClr val="bg1">
-                    <a:lumMod val="85000"/>
-                  </a:schemeClr>
-                </a:solidFill>
-              </a:rPr>
-              <a:t>Aufgabenstellung / Erste Anforderungen</a:t>
-            </a:r>
-          </a:p>
-          <a:p>
-            <a:r>
-              <a:rPr lang="de-DE" dirty="0">
-                <a:solidFill>
-                  <a:schemeClr val="bg1">
-                    <a:lumMod val="85000"/>
-                  </a:schemeClr>
-                </a:solidFill>
-              </a:rPr>
-              <a:t>Einteilung der Teams</a:t>
-            </a:r>
-          </a:p>
-          <a:p>
-            <a:r>
-              <a:rPr lang="de-DE" dirty="0"/>
-              <a:t>Technologieauswahl</a:t>
-            </a:r>
-          </a:p>
-        </p:txBody>
-      </p:sp>
-    </p:spTree>
-    <p:extLst>
-      <p:ext uri="{BB962C8B-B14F-4D97-AF65-F5344CB8AC3E}">
-        <p14:creationId xmlns:p14="http://schemas.microsoft.com/office/powerpoint/2010/main" val="3810781806"/>
-      </p:ext>
-    </p:extLst>
-  </p:cSld>
-  <p:clrMapOvr>
-    <a:masterClrMapping/>
-  </p:clrMapOvr>
-</p:sld>
-</file>
-
-<file path=ppt/slides/slide23.xml><?xml version="1.0" encoding="utf-8"?>
-<p:sld xmlns:a="http://schemas.openxmlformats.org/drawingml/2006/main" xmlns:r="http://schemas.openxmlformats.org/officeDocument/2006/relationships" xmlns:p="http://schemas.openxmlformats.org/presentationml/2006/main">
-  <p:cSld>
-    <p:spTree>
-      <p:nvGrpSpPr>
-        <p:cNvPr id="1" name=""/>
-        <p:cNvGrpSpPr/>
-        <p:nvPr/>
-      </p:nvGrpSpPr>
-      <p:grpSpPr>
-        <a:xfrm>
-          <a:off x="0" y="0"/>
-          <a:ext cx="0" cy="0"/>
-          <a:chOff x="0" y="0"/>
-          <a:chExt cx="0" cy="0"/>
-        </a:xfrm>
-      </p:grpSpPr>
-      <p:sp>
-        <p:nvSpPr>
           <p:cNvPr id="2" name="Title 1"/>
           <p:cNvSpPr>
             <a:spLocks noGrp="1"/>
@@ -7420,78 +7312,74 @@
           <a:lstStyle/>
           <a:p>
             <a:r>
+              <a:rPr lang="de-DE" dirty="0"/>
+              <a:t>User Stories / </a:t>
+            </a:r>
+            <a:r>
               <a:rPr lang="de-DE" dirty="0" err="1"/>
-              <a:t>Use</a:t>
+              <a:t>Epics</a:t>
             </a:r>
             <a:r>
               <a:rPr lang="de-DE" dirty="0"/>
-              <a:t> </a:t>
+              <a:t> ins Backlog übernehmen</a:t>
+            </a:r>
+          </a:p>
+          <a:p>
+            <a:r>
+              <a:rPr lang="de-DE" dirty="0"/>
+              <a:t>Anlegen von Milestones ?! </a:t>
+            </a:r>
+          </a:p>
+          <a:p>
+            <a:r>
+              <a:rPr lang="de-DE" dirty="0"/>
+              <a:t>Kundengespräch -&gt; verfeinern/aufteilen der </a:t>
             </a:r>
             <a:r>
               <a:rPr lang="de-DE" dirty="0" err="1"/>
-              <a:t>cases</a:t>
+              <a:t>Epics</a:t>
             </a:r>
             <a:r>
               <a:rPr lang="de-DE" dirty="0"/>
-              <a:t> in </a:t>
+              <a:t> -&gt; Ableiten von Aufgaben </a:t>
+            </a:r>
+            <a:r>
+              <a:rPr lang="de-DE" dirty="0" err="1"/>
+              <a:t>Issues</a:t>
+            </a:r>
+            <a:endParaRPr lang="de-DE" dirty="0"/>
+          </a:p>
+          <a:p>
+            <a:r>
+              <a:rPr lang="de-DE" dirty="0"/>
+              <a:t>Priorisieren des </a:t>
             </a:r>
             <a:r>
               <a:rPr lang="de-DE" dirty="0" err="1"/>
               <a:t>Backlog</a:t>
             </a:r>
+            <a:endParaRPr lang="de-DE" dirty="0"/>
+          </a:p>
+          <a:p>
             <a:r>
               <a:rPr lang="de-DE" dirty="0"/>
-              <a:t> übernehmen</a:t>
-            </a:r>
-          </a:p>
-          <a:p>
+              <a:t>Zuordnen von </a:t>
+            </a:r>
+            <a:r>
+              <a:rPr lang="de-DE" dirty="0" err="1"/>
+              <a:t>Epics</a:t>
+            </a:r>
             <a:r>
               <a:rPr lang="de-DE" dirty="0"/>
-              <a:t>Anlegen von Milestones ?! </a:t>
-            </a:r>
-          </a:p>
-          <a:p>
+              <a:t> / </a:t>
+            </a:r>
+            <a:r>
+              <a:rPr lang="de-DE" dirty="0" err="1"/>
+              <a:t>Issues</a:t>
+            </a:r>
             <a:r>
               <a:rPr lang="de-DE" dirty="0"/>
-              <a:t>Kundengespräch -&gt; verfeinern/aufteilen der </a:t>
-            </a:r>
-            <a:r>
-              <a:rPr lang="de-DE" dirty="0" err="1"/>
-              <a:t>Use</a:t>
-            </a:r>
-            <a:r>
-              <a:rPr lang="de-DE" dirty="0"/>
-              <a:t> </a:t>
-            </a:r>
-            <a:r>
-              <a:rPr lang="de-DE" dirty="0" err="1"/>
-              <a:t>cases</a:t>
-            </a:r>
-            <a:endParaRPr lang="de-DE" dirty="0"/>
-          </a:p>
-          <a:p>
-            <a:r>
-              <a:rPr lang="de-DE" dirty="0"/>
-              <a:t>Priorisieren des </a:t>
-            </a:r>
-            <a:r>
-              <a:rPr lang="de-DE" dirty="0" err="1"/>
-              <a:t>Backlog</a:t>
-            </a:r>
-            <a:endParaRPr lang="de-DE" dirty="0"/>
-          </a:p>
-          <a:p>
-            <a:r>
-              <a:rPr lang="de-DE" dirty="0"/>
-              <a:t>Übernehmen von </a:t>
-            </a:r>
-            <a:r>
-              <a:rPr lang="de-DE" dirty="0" err="1"/>
-              <a:t>Use</a:t>
-            </a:r>
-            <a:r>
-              <a:rPr lang="de-DE" dirty="0"/>
-              <a:t> Cases in die erste Iteration</a:t>
+              <a:t> zum ersten Milestone</a:t>
             </a:r>
           </a:p>
           <a:p>
@@ -7559,204 +7447,6 @@
     <p:extLst>
       <p:ext uri="{BB962C8B-B14F-4D97-AF65-F5344CB8AC3E}">
         <p14:creationId xmlns:p14="http://schemas.microsoft.com/office/powerpoint/2010/main" val="1759962967"/>
-      </p:ext>
-    </p:extLst>
-  </p:cSld>
-  <p:clrMapOvr>
-    <a:masterClrMapping/>
-  </p:clrMapOvr>
-</p:sld>
-</file>
-
-<file path=ppt/slides/slide24.xml><?xml version="1.0" encoding="utf-8"?>
-<p:sld xmlns:a="http://schemas.openxmlformats.org/drawingml/2006/main" xmlns:r="http://schemas.openxmlformats.org/officeDocument/2006/relationships" xmlns:p="http://schemas.openxmlformats.org/presentationml/2006/main">
-  <p:cSld>
-    <p:spTree>
-      <p:nvGrpSpPr>
-        <p:cNvPr id="1" name=""/>
-        <p:cNvGrpSpPr/>
-        <p:nvPr/>
-      </p:nvGrpSpPr>
-      <p:grpSpPr>
-        <a:xfrm>
-          <a:off x="0" y="0"/>
-          <a:ext cx="0" cy="0"/>
-          <a:chOff x="0" y="0"/>
-          <a:chExt cx="0" cy="0"/>
-        </a:xfrm>
-      </p:grpSpPr>
-      <p:sp>
-        <p:nvSpPr>
-          <p:cNvPr id="2" name="Titel 1"/>
-          <p:cNvSpPr>
-            <a:spLocks noGrp="1"/>
-          </p:cNvSpPr>
-          <p:nvPr>
-            <p:ph type="title"/>
-          </p:nvPr>
-        </p:nvSpPr>
-        <p:spPr/>
-        <p:txBody>
-          <a:bodyPr/>
-          <a:lstStyle/>
-          <a:p>
-            <a:r>
-              <a:rPr lang="de-DE" dirty="0"/>
-              <a:t>Agenda</a:t>
-            </a:r>
-          </a:p>
-        </p:txBody>
-      </p:sp>
-      <p:sp>
-        <p:nvSpPr>
-          <p:cNvPr id="3" name="Inhaltsplatzhalter 2"/>
-          <p:cNvSpPr>
-            <a:spLocks noGrp="1"/>
-          </p:cNvSpPr>
-          <p:nvPr>
-            <p:ph idx="1"/>
-          </p:nvPr>
-        </p:nvSpPr>
-        <p:spPr/>
-        <p:txBody>
-          <a:bodyPr/>
-          <a:lstStyle/>
-          <a:p>
-            <a:r>
-              <a:rPr lang="de-DE" dirty="0">
-                <a:solidFill>
-                  <a:schemeClr val="bg1">
-                    <a:lumMod val="85000"/>
-                  </a:schemeClr>
-                </a:solidFill>
-              </a:rPr>
-              <a:t>Agile Softwareentwicklung</a:t>
-            </a:r>
-          </a:p>
-          <a:p>
-            <a:r>
-              <a:rPr lang="de-DE" dirty="0">
-                <a:solidFill>
-                  <a:schemeClr val="bg1">
-                    <a:lumMod val="85000"/>
-                  </a:schemeClr>
-                </a:solidFill>
-              </a:rPr>
-              <a:t>Ablauf der </a:t>
-            </a:r>
-            <a:r>
-              <a:rPr lang="de-DE" dirty="0" err="1">
-                <a:solidFill>
-                  <a:schemeClr val="bg1">
-                    <a:lumMod val="85000"/>
-                  </a:schemeClr>
-                </a:solidFill>
-              </a:rPr>
-              <a:t>Veranstalltung</a:t>
-            </a:r>
-            <a:endParaRPr lang="de-DE" dirty="0">
-              <a:solidFill>
-                <a:schemeClr val="bg1">
-                  <a:lumMod val="85000"/>
-                </a:schemeClr>
-              </a:solidFill>
-            </a:endParaRPr>
-          </a:p>
-          <a:p>
-            <a:r>
-              <a:rPr lang="de-DE" dirty="0" err="1">
-                <a:solidFill>
-                  <a:schemeClr val="bg1">
-                    <a:lumMod val="85000"/>
-                  </a:schemeClr>
-                </a:solidFill>
-              </a:rPr>
-              <a:t>Git</a:t>
-            </a:r>
-            <a:r>
-              <a:rPr lang="de-DE" dirty="0">
-                <a:solidFill>
-                  <a:schemeClr val="bg1">
-                    <a:lumMod val="85000"/>
-                  </a:schemeClr>
-                </a:solidFill>
-              </a:rPr>
-              <a:t> / </a:t>
-            </a:r>
-            <a:r>
-              <a:rPr lang="de-DE" dirty="0" err="1">
-                <a:solidFill>
-                  <a:schemeClr val="bg1">
-                    <a:lumMod val="85000"/>
-                  </a:schemeClr>
-                </a:solidFill>
-              </a:rPr>
-              <a:t>GitHub</a:t>
-            </a:r>
-            <a:r>
-              <a:rPr lang="de-DE" dirty="0">
-                <a:solidFill>
-                  <a:schemeClr val="bg1">
-                    <a:lumMod val="85000"/>
-                  </a:schemeClr>
-                </a:solidFill>
-              </a:rPr>
-              <a:t> und </a:t>
-            </a:r>
-            <a:r>
-              <a:rPr lang="de-DE" dirty="0" err="1">
-                <a:solidFill>
-                  <a:schemeClr val="bg1">
-                    <a:lumMod val="85000"/>
-                  </a:schemeClr>
-                </a:solidFill>
-              </a:rPr>
-              <a:t>ZenHub</a:t>
-            </a:r>
-            <a:endParaRPr lang="de-DE" dirty="0">
-              <a:solidFill>
-                <a:schemeClr val="bg1">
-                  <a:lumMod val="85000"/>
-                </a:schemeClr>
-              </a:solidFill>
-            </a:endParaRPr>
-          </a:p>
-          <a:p>
-            <a:r>
-              <a:rPr lang="de-DE" dirty="0">
-                <a:solidFill>
-                  <a:schemeClr val="bg1">
-                    <a:lumMod val="85000"/>
-                  </a:schemeClr>
-                </a:solidFill>
-              </a:rPr>
-              <a:t>Aufgabenstellung / Erste Anforderungen</a:t>
-            </a:r>
-          </a:p>
-          <a:p>
-            <a:r>
-              <a:rPr lang="de-DE" dirty="0">
-                <a:solidFill>
-                  <a:schemeClr val="bg1">
-                    <a:lumMod val="85000"/>
-                  </a:schemeClr>
-                </a:solidFill>
-              </a:rPr>
-              <a:t>Einteilung der Teams</a:t>
-            </a:r>
-          </a:p>
-          <a:p>
-            <a:r>
-              <a:rPr lang="de-DE" dirty="0"/>
-              <a:t>Technologieauswahl</a:t>
-            </a:r>
-          </a:p>
-        </p:txBody>
-      </p:sp>
-    </p:spTree>
-    <p:extLst>
-      <p:ext uri="{BB962C8B-B14F-4D97-AF65-F5344CB8AC3E}">
-        <p14:creationId xmlns:p14="http://schemas.microsoft.com/office/powerpoint/2010/main" val="1875813957"/>
       </p:ext>
     </p:extLst>
   </p:cSld>
@@ -9487,6 +9177,21 @@
 </file>
 
 <file path=customXml/item1.xml><?xml version="1.0" encoding="utf-8"?>
+<?mso-contentType ?>
+<FormTemplates xmlns="http://schemas.microsoft.com/sharepoint/v3/contenttype/forms">
+  <Display>DocumentLibraryForm</Display>
+  <Edit>DocumentLibraryForm</Edit>
+  <New>DocumentLibraryForm</New>
+</FormTemplates>
+</file>
+
+<file path=customXml/item2.xml><?xml version="1.0" encoding="utf-8"?>
+<p:properties xmlns:p="http://schemas.microsoft.com/office/2006/metadata/properties" xmlns:xsi="http://www.w3.org/2001/XMLSchema-instance" xmlns:pc="http://schemas.microsoft.com/office/infopath/2007/PartnerControls">
+  <documentManagement/>
+</p:properties>
+</file>
+
+<file path=customXml/item3.xml><?xml version="1.0" encoding="utf-8"?>
 <ct:contentTypeSchema xmlns:ct="http://schemas.microsoft.com/office/2006/metadata/contentType" xmlns:ma="http://schemas.microsoft.com/office/2006/metadata/properties/metaAttributes" ct:_="" ma:_="" ma:contentTypeName="Document" ma:contentTypeID="0x010100D8BD6254B2486A478AAF27241DA6BFFF" ma:contentTypeVersion="0" ma:contentTypeDescription="Create a new document." ma:contentTypeScope="" ma:versionID="f67431a384daba78a41cf6f2438536a9">
   <xsd:schema xmlns:xsd="http://www.w3.org/2001/XMLSchema" xmlns:xs="http://www.w3.org/2001/XMLSchema" xmlns:p="http://schemas.microsoft.com/office/2006/metadata/properties" targetNamespace="http://schemas.microsoft.com/office/2006/metadata/properties" ma:root="true" ma:fieldsID="1b05d82d297216baf5b26c55225140df">
     <xsd:element name="properties">
@@ -9600,33 +9305,10 @@
 </ct:contentTypeSchema>
 </file>
 
-<file path=customXml/item2.xml><?xml version="1.0" encoding="utf-8"?>
-<p:properties xmlns:p="http://schemas.microsoft.com/office/2006/metadata/properties" xmlns:xsi="http://www.w3.org/2001/XMLSchema-instance" xmlns:pc="http://schemas.microsoft.com/office/infopath/2007/PartnerControls">
-  <documentManagement/>
-</p:properties>
-</file>
-
-<file path=customXml/item3.xml><?xml version="1.0" encoding="utf-8"?>
-<?mso-contentType ?>
-<FormTemplates xmlns="http://schemas.microsoft.com/sharepoint/v3/contenttype/forms">
-  <Display>DocumentLibraryForm</Display>
-  <Edit>DocumentLibraryForm</Edit>
-  <New>DocumentLibraryForm</New>
-</FormTemplates>
-</file>
-
 <file path=customXml/itemProps1.xml><?xml version="1.0" encoding="utf-8"?>
-<ds:datastoreItem xmlns:ds="http://schemas.openxmlformats.org/officeDocument/2006/customXml" ds:itemID="{236E2A0C-4521-4390-A603-AAC35E234A02}">
+<ds:datastoreItem xmlns:ds="http://schemas.openxmlformats.org/officeDocument/2006/customXml" ds:itemID="{36181541-E209-48D9-8B19-B290A91E72B0}">
   <ds:schemaRefs>
-    <ds:schemaRef ds:uri="http://schemas.microsoft.com/office/2006/metadata/contentType"/>
-    <ds:schemaRef ds:uri="http://schemas.microsoft.com/office/2006/metadata/properties/metaAttributes"/>
-    <ds:schemaRef ds:uri="http://www.w3.org/2001/XMLSchema"/>
-    <ds:schemaRef ds:uri="http://schemas.microsoft.com/office/2006/metadata/properties"/>
-    <ds:schemaRef ds:uri="http://schemas.openxmlformats.org/package/2006/metadata/core-properties"/>
-    <ds:schemaRef ds:uri="http://purl.org/dc/elements/1.1/"/>
-    <ds:schemaRef ds:uri="http://purl.org/dc/terms/"/>
-    <ds:schemaRef ds:uri="http://schemas.microsoft.com/internal/obd"/>
-    <ds:schemaRef ds:uri="http://schemas.microsoft.com/office/infopath/2007/PartnerControls"/>
+    <ds:schemaRef ds:uri="http://schemas.microsoft.com/sharepoint/v3/contenttype/forms"/>
   </ds:schemaRefs>
 </ds:datastoreItem>
 </file>
@@ -9647,9 +9329,17 @@
 </file>
 
 <file path=customXml/itemProps3.xml><?xml version="1.0" encoding="utf-8"?>
-<ds:datastoreItem xmlns:ds="http://schemas.openxmlformats.org/officeDocument/2006/customXml" ds:itemID="{36181541-E209-48D9-8B19-B290A91E72B0}">
+<ds:datastoreItem xmlns:ds="http://schemas.openxmlformats.org/officeDocument/2006/customXml" ds:itemID="{236E2A0C-4521-4390-A603-AAC35E234A02}">
   <ds:schemaRefs>
-    <ds:schemaRef ds:uri="http://schemas.microsoft.com/sharepoint/v3/contenttype/forms"/>
+    <ds:schemaRef ds:uri="http://schemas.microsoft.com/office/2006/metadata/contentType"/>
+    <ds:schemaRef ds:uri="http://schemas.microsoft.com/office/2006/metadata/properties/metaAttributes"/>
+    <ds:schemaRef ds:uri="http://www.w3.org/2001/XMLSchema"/>
+    <ds:schemaRef ds:uri="http://schemas.microsoft.com/office/2006/metadata/properties"/>
+    <ds:schemaRef ds:uri="http://schemas.openxmlformats.org/package/2006/metadata/core-properties"/>
+    <ds:schemaRef ds:uri="http://purl.org/dc/elements/1.1/"/>
+    <ds:schemaRef ds:uri="http://purl.org/dc/terms/"/>
+    <ds:schemaRef ds:uri="http://schemas.microsoft.com/internal/obd"/>
+    <ds:schemaRef ds:uri="http://schemas.microsoft.com/office/infopath/2007/PartnerControls"/>
   </ds:schemaRefs>
 </ds:datastoreItem>
 </file>